--- a/Performance.pptx
+++ b/Performance.pptx
@@ -5,7 +5,7 @@
     <p:sldMasterId id="2147483648" r:id="rId1"/>
   </p:sldMasterIdLst>
   <p:notesMasterIdLst>
-    <p:notesMasterId r:id="rId47"/>
+    <p:notesMasterId r:id="rId48"/>
   </p:notesMasterIdLst>
   <p:sldIdLst>
     <p:sldId id="256" r:id="rId2"/>
@@ -41,18 +41,19 @@
     <p:sldId id="298" r:id="rId32"/>
     <p:sldId id="299" r:id="rId33"/>
     <p:sldId id="300" r:id="rId34"/>
-    <p:sldId id="284" r:id="rId35"/>
-    <p:sldId id="285" r:id="rId36"/>
-    <p:sldId id="286" r:id="rId37"/>
-    <p:sldId id="287" r:id="rId38"/>
-    <p:sldId id="289" r:id="rId39"/>
-    <p:sldId id="290" r:id="rId40"/>
-    <p:sldId id="291" r:id="rId41"/>
-    <p:sldId id="292" r:id="rId42"/>
-    <p:sldId id="293" r:id="rId43"/>
-    <p:sldId id="295" r:id="rId44"/>
-    <p:sldId id="294" r:id="rId45"/>
-    <p:sldId id="296" r:id="rId46"/>
+    <p:sldId id="301" r:id="rId35"/>
+    <p:sldId id="284" r:id="rId36"/>
+    <p:sldId id="285" r:id="rId37"/>
+    <p:sldId id="286" r:id="rId38"/>
+    <p:sldId id="287" r:id="rId39"/>
+    <p:sldId id="289" r:id="rId40"/>
+    <p:sldId id="290" r:id="rId41"/>
+    <p:sldId id="291" r:id="rId42"/>
+    <p:sldId id="292" r:id="rId43"/>
+    <p:sldId id="293" r:id="rId44"/>
+    <p:sldId id="295" r:id="rId45"/>
+    <p:sldId id="294" r:id="rId46"/>
+    <p:sldId id="296" r:id="rId47"/>
   </p:sldIdLst>
   <p:sldSz cx="12192000" cy="6858000"/>
   <p:notesSz cx="6858000" cy="9144000"/>
@@ -241,7 +242,7 @@
           <a:p>
             <a:fld id="{01AEA48B-48FF-443A-BBC4-02219E88C491}" type="datetimeFigureOut">
               <a:rPr lang="zh-CN" altLang="en-US" smtClean="0"/>
-              <a:t>2020/7/1</a:t>
+              <a:t>2020/7/2</a:t>
             </a:fld>
             <a:endParaRPr lang="zh-CN" altLang="en-US"/>
           </a:p>
@@ -595,6 +596,258 @@
 </p:notes>
 </file>
 
+<file path=ppt/notesSlides/notesSlide10.xml><?xml version="1.0" encoding="utf-8"?>
+<p:notes xmlns:a="http://schemas.openxmlformats.org/drawingml/2006/main" xmlns:r="http://schemas.openxmlformats.org/officeDocument/2006/relationships" xmlns:p="http://schemas.openxmlformats.org/presentationml/2006/main">
+  <p:cSld>
+    <p:spTree>
+      <p:nvGrpSpPr>
+        <p:cNvPr id="1" name=""/>
+        <p:cNvGrpSpPr/>
+        <p:nvPr/>
+      </p:nvGrpSpPr>
+      <p:grpSpPr>
+        <a:xfrm>
+          <a:off x="0" y="0"/>
+          <a:ext cx="0" cy="0"/>
+          <a:chOff x="0" y="0"/>
+          <a:chExt cx="0" cy="0"/>
+        </a:xfrm>
+      </p:grpSpPr>
+      <p:sp>
+        <p:nvSpPr>
+          <p:cNvPr id="2" name="幻灯片图像占位符 1"/>
+          <p:cNvSpPr>
+            <a:spLocks noGrp="1" noRot="1" noChangeAspect="1"/>
+          </p:cNvSpPr>
+          <p:nvPr>
+            <p:ph type="sldImg"/>
+          </p:nvPr>
+        </p:nvSpPr>
+        <p:spPr/>
+      </p:sp>
+      <p:sp>
+        <p:nvSpPr>
+          <p:cNvPr id="3" name="备注占位符 2"/>
+          <p:cNvSpPr>
+            <a:spLocks noGrp="1"/>
+          </p:cNvSpPr>
+          <p:nvPr>
+            <p:ph type="body" idx="1"/>
+          </p:nvPr>
+        </p:nvSpPr>
+        <p:spPr/>
+        <p:txBody>
+          <a:bodyPr/>
+          <a:lstStyle/>
+          <a:p>
+            <a:endParaRPr lang="zh-CN" altLang="en-US" dirty="0"/>
+          </a:p>
+        </p:txBody>
+      </p:sp>
+      <p:sp>
+        <p:nvSpPr>
+          <p:cNvPr id="4" name="灯片编号占位符 3"/>
+          <p:cNvSpPr>
+            <a:spLocks noGrp="1"/>
+          </p:cNvSpPr>
+          <p:nvPr>
+            <p:ph type="sldNum" sz="quarter" idx="5"/>
+          </p:nvPr>
+        </p:nvSpPr>
+        <p:spPr/>
+        <p:txBody>
+          <a:bodyPr/>
+          <a:lstStyle/>
+          <a:p>
+            <a:fld id="{A121ACA8-121E-4C83-8B4E-5BC829E61634}" type="slidenum">
+              <a:rPr lang="zh-CN" altLang="en-US" smtClean="0"/>
+              <a:t>43</a:t>
+            </a:fld>
+            <a:endParaRPr lang="zh-CN" altLang="en-US"/>
+          </a:p>
+        </p:txBody>
+      </p:sp>
+    </p:spTree>
+    <p:extLst>
+      <p:ext uri="{BB962C8B-B14F-4D97-AF65-F5344CB8AC3E}">
+        <p14:creationId xmlns:p14="http://schemas.microsoft.com/office/powerpoint/2010/main" val="1607266548"/>
+      </p:ext>
+    </p:extLst>
+  </p:cSld>
+  <p:clrMapOvr>
+    <a:masterClrMapping/>
+  </p:clrMapOvr>
+</p:notes>
+</file>
+
+<file path=ppt/notesSlides/notesSlide11.xml><?xml version="1.0" encoding="utf-8"?>
+<p:notes xmlns:a="http://schemas.openxmlformats.org/drawingml/2006/main" xmlns:r="http://schemas.openxmlformats.org/officeDocument/2006/relationships" xmlns:p="http://schemas.openxmlformats.org/presentationml/2006/main">
+  <p:cSld>
+    <p:spTree>
+      <p:nvGrpSpPr>
+        <p:cNvPr id="1" name=""/>
+        <p:cNvGrpSpPr/>
+        <p:nvPr/>
+      </p:nvGrpSpPr>
+      <p:grpSpPr>
+        <a:xfrm>
+          <a:off x="0" y="0"/>
+          <a:ext cx="0" cy="0"/>
+          <a:chOff x="0" y="0"/>
+          <a:chExt cx="0" cy="0"/>
+        </a:xfrm>
+      </p:grpSpPr>
+      <p:sp>
+        <p:nvSpPr>
+          <p:cNvPr id="2" name="幻灯片图像占位符 1"/>
+          <p:cNvSpPr>
+            <a:spLocks noGrp="1" noRot="1" noChangeAspect="1"/>
+          </p:cNvSpPr>
+          <p:nvPr>
+            <p:ph type="sldImg"/>
+          </p:nvPr>
+        </p:nvSpPr>
+        <p:spPr/>
+      </p:sp>
+      <p:sp>
+        <p:nvSpPr>
+          <p:cNvPr id="3" name="备注占位符 2"/>
+          <p:cNvSpPr>
+            <a:spLocks noGrp="1"/>
+          </p:cNvSpPr>
+          <p:nvPr>
+            <p:ph type="body" idx="1"/>
+          </p:nvPr>
+        </p:nvSpPr>
+        <p:spPr/>
+        <p:txBody>
+          <a:bodyPr/>
+          <a:lstStyle/>
+          <a:p>
+            <a:endParaRPr lang="zh-CN" altLang="en-US" dirty="0"/>
+          </a:p>
+        </p:txBody>
+      </p:sp>
+      <p:sp>
+        <p:nvSpPr>
+          <p:cNvPr id="4" name="灯片编号占位符 3"/>
+          <p:cNvSpPr>
+            <a:spLocks noGrp="1"/>
+          </p:cNvSpPr>
+          <p:nvPr>
+            <p:ph type="sldNum" sz="quarter" idx="5"/>
+          </p:nvPr>
+        </p:nvSpPr>
+        <p:spPr/>
+        <p:txBody>
+          <a:bodyPr/>
+          <a:lstStyle/>
+          <a:p>
+            <a:fld id="{A121ACA8-121E-4C83-8B4E-5BC829E61634}" type="slidenum">
+              <a:rPr lang="zh-CN" altLang="en-US" smtClean="0"/>
+              <a:t>45</a:t>
+            </a:fld>
+            <a:endParaRPr lang="zh-CN" altLang="en-US"/>
+          </a:p>
+        </p:txBody>
+      </p:sp>
+    </p:spTree>
+    <p:extLst>
+      <p:ext uri="{BB962C8B-B14F-4D97-AF65-F5344CB8AC3E}">
+        <p14:creationId xmlns:p14="http://schemas.microsoft.com/office/powerpoint/2010/main" val="2762444686"/>
+      </p:ext>
+    </p:extLst>
+  </p:cSld>
+  <p:clrMapOvr>
+    <a:masterClrMapping/>
+  </p:clrMapOvr>
+</p:notes>
+</file>
+
+<file path=ppt/notesSlides/notesSlide12.xml><?xml version="1.0" encoding="utf-8"?>
+<p:notes xmlns:a="http://schemas.openxmlformats.org/drawingml/2006/main" xmlns:r="http://schemas.openxmlformats.org/officeDocument/2006/relationships" xmlns:p="http://schemas.openxmlformats.org/presentationml/2006/main">
+  <p:cSld>
+    <p:spTree>
+      <p:nvGrpSpPr>
+        <p:cNvPr id="1" name=""/>
+        <p:cNvGrpSpPr/>
+        <p:nvPr/>
+      </p:nvGrpSpPr>
+      <p:grpSpPr>
+        <a:xfrm>
+          <a:off x="0" y="0"/>
+          <a:ext cx="0" cy="0"/>
+          <a:chOff x="0" y="0"/>
+          <a:chExt cx="0" cy="0"/>
+        </a:xfrm>
+      </p:grpSpPr>
+      <p:sp>
+        <p:nvSpPr>
+          <p:cNvPr id="2" name="幻灯片图像占位符 1"/>
+          <p:cNvSpPr>
+            <a:spLocks noGrp="1" noRot="1" noChangeAspect="1"/>
+          </p:cNvSpPr>
+          <p:nvPr>
+            <p:ph type="sldImg"/>
+          </p:nvPr>
+        </p:nvSpPr>
+        <p:spPr/>
+      </p:sp>
+      <p:sp>
+        <p:nvSpPr>
+          <p:cNvPr id="3" name="备注占位符 2"/>
+          <p:cNvSpPr>
+            <a:spLocks noGrp="1"/>
+          </p:cNvSpPr>
+          <p:nvPr>
+            <p:ph type="body" idx="1"/>
+          </p:nvPr>
+        </p:nvSpPr>
+        <p:spPr/>
+        <p:txBody>
+          <a:bodyPr/>
+          <a:lstStyle/>
+          <a:p>
+            <a:endParaRPr lang="zh-CN" altLang="en-US" dirty="0"/>
+          </a:p>
+        </p:txBody>
+      </p:sp>
+      <p:sp>
+        <p:nvSpPr>
+          <p:cNvPr id="4" name="灯片编号占位符 3"/>
+          <p:cNvSpPr>
+            <a:spLocks noGrp="1"/>
+          </p:cNvSpPr>
+          <p:nvPr>
+            <p:ph type="sldNum" sz="quarter" idx="5"/>
+          </p:nvPr>
+        </p:nvSpPr>
+        <p:spPr/>
+        <p:txBody>
+          <a:bodyPr/>
+          <a:lstStyle/>
+          <a:p>
+            <a:fld id="{A121ACA8-121E-4C83-8B4E-5BC829E61634}" type="slidenum">
+              <a:rPr lang="zh-CN" altLang="en-US" smtClean="0"/>
+              <a:t>46</a:t>
+            </a:fld>
+            <a:endParaRPr lang="zh-CN" altLang="en-US"/>
+          </a:p>
+        </p:txBody>
+      </p:sp>
+    </p:spTree>
+    <p:extLst>
+      <p:ext uri="{BB962C8B-B14F-4D97-AF65-F5344CB8AC3E}">
+        <p14:creationId xmlns:p14="http://schemas.microsoft.com/office/powerpoint/2010/main" val="4250744895"/>
+      </p:ext>
+    </p:extLst>
+  </p:cSld>
+  <p:clrMapOvr>
+    <a:masterClrMapping/>
+  </p:clrMapOvr>
+</p:notes>
+</file>
+
 <file path=ppt/notesSlides/notesSlide2.xml><?xml version="1.0" encoding="utf-8"?>
 <p:notes xmlns:a="http://schemas.openxmlformats.org/drawingml/2006/main" xmlns:r="http://schemas.openxmlformats.org/officeDocument/2006/relationships" xmlns:p="http://schemas.openxmlformats.org/presentationml/2006/main">
   <p:cSld>
@@ -1527,7 +1780,7 @@
           <a:p>
             <a:fld id="{A121ACA8-121E-4C83-8B4E-5BC829E61634}" type="slidenum">
               <a:rPr lang="zh-CN" altLang="en-US" smtClean="0"/>
-              <a:t>39</a:t>
+              <a:t>32</a:t>
             </a:fld>
             <a:endParaRPr lang="zh-CN" altLang="en-US"/>
           </a:p>
@@ -1536,7 +1789,7 @@
     </p:spTree>
     <p:extLst>
       <p:ext uri="{BB962C8B-B14F-4D97-AF65-F5344CB8AC3E}">
-        <p14:creationId xmlns:p14="http://schemas.microsoft.com/office/powerpoint/2010/main" val="2570779257"/>
+        <p14:creationId xmlns:p14="http://schemas.microsoft.com/office/powerpoint/2010/main" val="4204571782"/>
       </p:ext>
     </p:extLst>
   </p:cSld>
@@ -1611,7 +1864,7 @@
           <a:p>
             <a:fld id="{A121ACA8-121E-4C83-8B4E-5BC829E61634}" type="slidenum">
               <a:rPr lang="zh-CN" altLang="en-US" smtClean="0"/>
-              <a:t>44</a:t>
+              <a:t>40</a:t>
             </a:fld>
             <a:endParaRPr lang="zh-CN" altLang="en-US"/>
           </a:p>
@@ -1620,7 +1873,7 @@
     </p:spTree>
     <p:extLst>
       <p:ext uri="{BB962C8B-B14F-4D97-AF65-F5344CB8AC3E}">
-        <p14:creationId xmlns:p14="http://schemas.microsoft.com/office/powerpoint/2010/main" val="2762444686"/>
+        <p14:creationId xmlns:p14="http://schemas.microsoft.com/office/powerpoint/2010/main" val="2570779257"/>
       </p:ext>
     </p:extLst>
   </p:cSld>
@@ -1695,7 +1948,7 @@
           <a:p>
             <a:fld id="{A121ACA8-121E-4C83-8B4E-5BC829E61634}" type="slidenum">
               <a:rPr lang="zh-CN" altLang="en-US" smtClean="0"/>
-              <a:t>45</a:t>
+              <a:t>42</a:t>
             </a:fld>
             <a:endParaRPr lang="zh-CN" altLang="en-US"/>
           </a:p>
@@ -1704,7 +1957,7 @@
     </p:spTree>
     <p:extLst>
       <p:ext uri="{BB962C8B-B14F-4D97-AF65-F5344CB8AC3E}">
-        <p14:creationId xmlns:p14="http://schemas.microsoft.com/office/powerpoint/2010/main" val="4250744895"/>
+        <p14:creationId xmlns:p14="http://schemas.microsoft.com/office/powerpoint/2010/main" val="618337882"/>
       </p:ext>
     </p:extLst>
   </p:cSld>
@@ -1861,7 +2114,7 @@
           <a:p>
             <a:fld id="{99981D9A-4B66-4954-B296-D99B0B8C0927}" type="datetimeFigureOut">
               <a:rPr lang="zh-CN" altLang="en-US" smtClean="0"/>
-              <a:t>2020/6/30</a:t>
+              <a:t>2020/7/2</a:t>
             </a:fld>
             <a:endParaRPr lang="zh-CN" altLang="en-US"/>
           </a:p>
@@ -2059,7 +2312,7 @@
           <a:p>
             <a:fld id="{99981D9A-4B66-4954-B296-D99B0B8C0927}" type="datetimeFigureOut">
               <a:rPr lang="zh-CN" altLang="en-US" smtClean="0"/>
-              <a:t>2020/6/30</a:t>
+              <a:t>2020/7/2</a:t>
             </a:fld>
             <a:endParaRPr lang="zh-CN" altLang="en-US"/>
           </a:p>
@@ -2267,7 +2520,7 @@
           <a:p>
             <a:fld id="{99981D9A-4B66-4954-B296-D99B0B8C0927}" type="datetimeFigureOut">
               <a:rPr lang="zh-CN" altLang="en-US" smtClean="0"/>
-              <a:t>2020/6/30</a:t>
+              <a:t>2020/7/2</a:t>
             </a:fld>
             <a:endParaRPr lang="zh-CN" altLang="en-US"/>
           </a:p>
@@ -2465,7 +2718,7 @@
           <a:p>
             <a:fld id="{99981D9A-4B66-4954-B296-D99B0B8C0927}" type="datetimeFigureOut">
               <a:rPr lang="zh-CN" altLang="en-US" smtClean="0"/>
-              <a:t>2020/6/30</a:t>
+              <a:t>2020/7/2</a:t>
             </a:fld>
             <a:endParaRPr lang="zh-CN" altLang="en-US"/>
           </a:p>
@@ -2740,7 +2993,7 @@
           <a:p>
             <a:fld id="{99981D9A-4B66-4954-B296-D99B0B8C0927}" type="datetimeFigureOut">
               <a:rPr lang="zh-CN" altLang="en-US" smtClean="0"/>
-              <a:t>2020/6/30</a:t>
+              <a:t>2020/7/2</a:t>
             </a:fld>
             <a:endParaRPr lang="zh-CN" altLang="en-US"/>
           </a:p>
@@ -3005,7 +3258,7 @@
           <a:p>
             <a:fld id="{99981D9A-4B66-4954-B296-D99B0B8C0927}" type="datetimeFigureOut">
               <a:rPr lang="zh-CN" altLang="en-US" smtClean="0"/>
-              <a:t>2020/6/30</a:t>
+              <a:t>2020/7/2</a:t>
             </a:fld>
             <a:endParaRPr lang="zh-CN" altLang="en-US"/>
           </a:p>
@@ -3417,7 +3670,7 @@
           <a:p>
             <a:fld id="{99981D9A-4B66-4954-B296-D99B0B8C0927}" type="datetimeFigureOut">
               <a:rPr lang="zh-CN" altLang="en-US" smtClean="0"/>
-              <a:t>2020/6/30</a:t>
+              <a:t>2020/7/2</a:t>
             </a:fld>
             <a:endParaRPr lang="zh-CN" altLang="en-US"/>
           </a:p>
@@ -3558,7 +3811,7 @@
           <a:p>
             <a:fld id="{99981D9A-4B66-4954-B296-D99B0B8C0927}" type="datetimeFigureOut">
               <a:rPr lang="zh-CN" altLang="en-US" smtClean="0"/>
-              <a:t>2020/6/30</a:t>
+              <a:t>2020/7/2</a:t>
             </a:fld>
             <a:endParaRPr lang="zh-CN" altLang="en-US"/>
           </a:p>
@@ -3671,7 +3924,7 @@
           <a:p>
             <a:fld id="{99981D9A-4B66-4954-B296-D99B0B8C0927}" type="datetimeFigureOut">
               <a:rPr lang="zh-CN" altLang="en-US" smtClean="0"/>
-              <a:t>2020/6/30</a:t>
+              <a:t>2020/7/2</a:t>
             </a:fld>
             <a:endParaRPr lang="zh-CN" altLang="en-US"/>
           </a:p>
@@ -3982,7 +4235,7 @@
           <a:p>
             <a:fld id="{99981D9A-4B66-4954-B296-D99B0B8C0927}" type="datetimeFigureOut">
               <a:rPr lang="zh-CN" altLang="en-US" smtClean="0"/>
-              <a:t>2020/6/30</a:t>
+              <a:t>2020/7/2</a:t>
             </a:fld>
             <a:endParaRPr lang="zh-CN" altLang="en-US"/>
           </a:p>
@@ -4270,7 +4523,7 @@
           <a:p>
             <a:fld id="{99981D9A-4B66-4954-B296-D99B0B8C0927}" type="datetimeFigureOut">
               <a:rPr lang="zh-CN" altLang="en-US" smtClean="0"/>
-              <a:t>2020/6/30</a:t>
+              <a:t>2020/7/2</a:t>
             </a:fld>
             <a:endParaRPr lang="zh-CN" altLang="en-US"/>
           </a:p>
@@ -4514,7 +4767,7 @@
           <a:p>
             <a:fld id="{99981D9A-4B66-4954-B296-D99B0B8C0927}" type="datetimeFigureOut">
               <a:rPr lang="zh-CN" altLang="en-US" smtClean="0"/>
-              <a:t>2020/6/30</a:t>
+              <a:t>2020/7/2</a:t>
             </a:fld>
             <a:endParaRPr lang="zh-CN" altLang="en-US"/>
           </a:p>
@@ -7595,7 +7848,7 @@
         </p:nvSpPr>
         <p:spPr>
           <a:xfrm>
-            <a:off x="2487705" y="1978025"/>
+            <a:off x="3265394" y="1886585"/>
             <a:ext cx="5661212" cy="4351338"/>
           </a:xfrm>
         </p:spPr>
@@ -8198,7 +8451,12 @@
             <p:ph type="title"/>
           </p:nvPr>
         </p:nvSpPr>
-        <p:spPr/>
+        <p:spPr>
+          <a:xfrm>
+            <a:off x="838199" y="395605"/>
+            <a:ext cx="10515600" cy="1325563"/>
+          </a:xfrm>
+        </p:spPr>
         <p:txBody>
           <a:bodyPr/>
           <a:lstStyle/>
@@ -8245,8 +8503,8 @@
         </p:nvSpPr>
         <p:spPr>
           <a:xfrm>
-            <a:off x="1073650" y="2299744"/>
-            <a:ext cx="9516379" cy="3219471"/>
+            <a:off x="1337811" y="2096544"/>
+            <a:ext cx="9492750" cy="3219471"/>
           </a:xfrm>
           <a:prstGeom prst="rect">
             <a:avLst/>
@@ -8787,8 +9045,8 @@
         </p:nvSpPr>
         <p:spPr>
           <a:xfrm>
-            <a:off x="838200" y="2766218"/>
-            <a:ext cx="10515600" cy="1325563"/>
+            <a:off x="838200" y="114459"/>
+            <a:ext cx="10515600" cy="962502"/>
           </a:xfrm>
         </p:spPr>
         <p:txBody>
@@ -8802,8 +9060,402 @@
                   <a:schemeClr val="bg1"/>
                 </a:solidFill>
               </a:rPr>
-              <a:t>配合使用</a:t>
-            </a:r>
+              <a:t>避免滥用</a:t>
+            </a:r>
+          </a:p>
+        </p:txBody>
+      </p:sp>
+      <p:sp>
+        <p:nvSpPr>
+          <p:cNvPr id="3" name="文本框 2">
+            <a:extLst>
+              <a:ext uri="{FF2B5EF4-FFF2-40B4-BE49-F238E27FC236}">
+                <a16:creationId xmlns:a16="http://schemas.microsoft.com/office/drawing/2014/main" id="{FB29B960-3FFA-4A6D-B7AE-13D14AABD1FC}"/>
+              </a:ext>
+            </a:extLst>
+          </p:cNvPr>
+          <p:cNvSpPr txBox="1"/>
+          <p:nvPr/>
+        </p:nvSpPr>
+        <p:spPr>
+          <a:xfrm>
+            <a:off x="1183640" y="1536830"/>
+            <a:ext cx="9824720" cy="400110"/>
+          </a:xfrm>
+          <a:prstGeom prst="rect">
+            <a:avLst/>
+          </a:prstGeom>
+          <a:noFill/>
+        </p:spPr>
+        <p:txBody>
+          <a:bodyPr wrap="square" rtlCol="0">
+            <a:spAutoFit/>
+          </a:bodyPr>
+          <a:lstStyle/>
+          <a:p>
+            <a:r>
+              <a:rPr lang="en-US" altLang="zh-CN" sz="2000" dirty="0">
+                <a:solidFill>
+                  <a:schemeClr val="bg1"/>
+                </a:solidFill>
+              </a:rPr>
+              <a:t>function</a:t>
+            </a:r>
+            <a:r>
+              <a:rPr lang="en-US" altLang="zh-CN" dirty="0">
+                <a:solidFill>
+                  <a:schemeClr val="bg1"/>
+                </a:solidFill>
+              </a:rPr>
+              <a:t> React.useMemo&lt;T&gt;(factory: () =&gt; T, deps: React.DependencyList | undefined): T</a:t>
+            </a:r>
+            <a:endParaRPr lang="zh-CN" altLang="en-US" dirty="0">
+              <a:solidFill>
+                <a:schemeClr val="bg1"/>
+              </a:solidFill>
+            </a:endParaRPr>
+          </a:p>
+        </p:txBody>
+      </p:sp>
+      <p:sp>
+        <p:nvSpPr>
+          <p:cNvPr id="5" name="文本框 4">
+            <a:extLst>
+              <a:ext uri="{FF2B5EF4-FFF2-40B4-BE49-F238E27FC236}">
+                <a16:creationId xmlns:a16="http://schemas.microsoft.com/office/drawing/2014/main" id="{B591879D-95BF-4451-BC61-CD45E3872812}"/>
+              </a:ext>
+            </a:extLst>
+          </p:cNvPr>
+          <p:cNvSpPr txBox="1"/>
+          <p:nvPr/>
+        </p:nvSpPr>
+        <p:spPr>
+          <a:xfrm>
+            <a:off x="1183640" y="2355218"/>
+            <a:ext cx="9047480" cy="3816429"/>
+          </a:xfrm>
+          <a:prstGeom prst="rect">
+            <a:avLst/>
+          </a:prstGeom>
+          <a:noFill/>
+        </p:spPr>
+        <p:txBody>
+          <a:bodyPr wrap="square" rtlCol="0">
+            <a:spAutoFit/>
+          </a:bodyPr>
+          <a:lstStyle/>
+          <a:p>
+            <a:r>
+              <a:rPr lang="zh-CN" altLang="en-US" sz="2000" dirty="0">
+                <a:solidFill>
+                  <a:schemeClr val="bg1"/>
+                </a:solidFill>
+              </a:rPr>
+              <a:t>额外性能开销</a:t>
+            </a:r>
+            <a:r>
+              <a:rPr lang="en-US" altLang="zh-CN" sz="2000" dirty="0">
+                <a:solidFill>
+                  <a:schemeClr val="bg1"/>
+                </a:solidFill>
+              </a:rPr>
+              <a:t>:  </a:t>
+            </a:r>
+            <a:r>
+              <a:rPr lang="zh-CN" altLang="en-US" sz="2000" dirty="0">
+                <a:solidFill>
+                  <a:schemeClr val="bg1"/>
+                </a:solidFill>
+              </a:rPr>
+              <a:t>缓存了上一次</a:t>
+            </a:r>
+            <a:r>
+              <a:rPr lang="en-US" altLang="zh-CN" sz="2000" dirty="0">
+                <a:solidFill>
+                  <a:schemeClr val="bg1"/>
+                </a:solidFill>
+              </a:rPr>
+              <a:t>factory</a:t>
+            </a:r>
+            <a:r>
+              <a:rPr lang="zh-CN" altLang="en-US" sz="2000" dirty="0">
+                <a:solidFill>
+                  <a:schemeClr val="bg1"/>
+                </a:solidFill>
+              </a:rPr>
+              <a:t>函数计算的结果</a:t>
+            </a:r>
+            <a:r>
+              <a:rPr lang="en-US" altLang="zh-CN" sz="2000" dirty="0">
+                <a:solidFill>
+                  <a:schemeClr val="bg1"/>
+                </a:solidFill>
+              </a:rPr>
+              <a:t>, </a:t>
+            </a:r>
+            <a:r>
+              <a:rPr lang="zh-CN" altLang="en-US" sz="2000" dirty="0">
+                <a:solidFill>
+                  <a:schemeClr val="bg1"/>
+                </a:solidFill>
+              </a:rPr>
+              <a:t>缓存了上一次的</a:t>
+            </a:r>
+            <a:r>
+              <a:rPr lang="en-US" altLang="zh-CN" sz="2000" dirty="0">
+                <a:solidFill>
+                  <a:schemeClr val="bg1"/>
+                </a:solidFill>
+              </a:rPr>
+              <a:t>deps, </a:t>
+            </a:r>
+            <a:r>
+              <a:rPr lang="zh-CN" altLang="en-US" sz="2000" dirty="0">
+                <a:solidFill>
+                  <a:schemeClr val="bg1"/>
+                </a:solidFill>
+              </a:rPr>
+              <a:t>下一次执行时会依次使用 </a:t>
+            </a:r>
+            <a:r>
+              <a:rPr lang="en-US" altLang="zh-CN" sz="2000" dirty="0">
+                <a:solidFill>
+                  <a:schemeClr val="bg1"/>
+                </a:solidFill>
+              </a:rPr>
+              <a:t>Object.is </a:t>
+            </a:r>
+            <a:r>
+              <a:rPr lang="zh-CN" altLang="en-US" sz="2000" dirty="0">
+                <a:solidFill>
+                  <a:schemeClr val="bg1"/>
+                </a:solidFill>
+              </a:rPr>
+              <a:t>方法</a:t>
+            </a:r>
+            <a:r>
+              <a:rPr lang="en-US" altLang="zh-CN" sz="2000" dirty="0">
+                <a:solidFill>
+                  <a:schemeClr val="bg1"/>
+                </a:solidFill>
+              </a:rPr>
+              <a:t>, </a:t>
+            </a:r>
+            <a:r>
+              <a:rPr lang="zh-CN" altLang="en-US" sz="2000" dirty="0">
+                <a:solidFill>
+                  <a:schemeClr val="bg1"/>
+                </a:solidFill>
+              </a:rPr>
+              <a:t>对新的 </a:t>
+            </a:r>
+            <a:r>
+              <a:rPr lang="en-US" altLang="zh-CN" sz="2000" dirty="0">
+                <a:solidFill>
+                  <a:schemeClr val="bg1"/>
+                </a:solidFill>
+              </a:rPr>
+              <a:t>deps </a:t>
+            </a:r>
+            <a:r>
+              <a:rPr lang="zh-CN" altLang="en-US" sz="2000" dirty="0">
+                <a:solidFill>
+                  <a:schemeClr val="bg1"/>
+                </a:solidFill>
+              </a:rPr>
+              <a:t>与旧的 </a:t>
+            </a:r>
+            <a:r>
+              <a:rPr lang="en-US" altLang="zh-CN" sz="2000" dirty="0">
+                <a:solidFill>
+                  <a:schemeClr val="bg1"/>
+                </a:solidFill>
+              </a:rPr>
+              <a:t>deps </a:t>
+            </a:r>
+            <a:r>
+              <a:rPr lang="zh-CN" altLang="en-US" sz="2000" dirty="0">
+                <a:solidFill>
+                  <a:schemeClr val="bg1"/>
+                </a:solidFill>
+              </a:rPr>
+              <a:t>进行浅比较</a:t>
+            </a:r>
+            <a:r>
+              <a:rPr lang="en-US" altLang="zh-CN" sz="2000" dirty="0">
+                <a:solidFill>
+                  <a:schemeClr val="bg1"/>
+                </a:solidFill>
+              </a:rPr>
+              <a:t>.</a:t>
+            </a:r>
+          </a:p>
+          <a:p>
+            <a:endParaRPr lang="en-US" altLang="zh-CN" sz="2000" dirty="0">
+              <a:solidFill>
+                <a:schemeClr val="bg1"/>
+              </a:solidFill>
+            </a:endParaRPr>
+          </a:p>
+          <a:p>
+            <a:r>
+              <a:rPr lang="zh-CN" altLang="en-US" sz="2000" dirty="0">
+                <a:solidFill>
+                  <a:schemeClr val="bg1"/>
+                </a:solidFill>
+              </a:rPr>
+              <a:t>使用前思考</a:t>
+            </a:r>
+            <a:r>
+              <a:rPr lang="en-US" altLang="zh-CN" sz="2000" dirty="0">
+                <a:solidFill>
+                  <a:schemeClr val="bg1"/>
+                </a:solidFill>
+              </a:rPr>
+              <a:t>:</a:t>
+            </a:r>
+          </a:p>
+          <a:p>
+            <a:endParaRPr lang="en-US" altLang="zh-CN" sz="2000" dirty="0">
+              <a:solidFill>
+                <a:schemeClr val="bg1"/>
+              </a:solidFill>
+            </a:endParaRPr>
+          </a:p>
+          <a:p>
+            <a:pPr marL="342900" indent="-342900">
+              <a:lnSpc>
+                <a:spcPct val="120000"/>
+              </a:lnSpc>
+              <a:spcAft>
+                <a:spcPts val="2000"/>
+              </a:spcAft>
+              <a:buFont typeface="Arial" panose="020B0604020202020204" pitchFamily="34" charset="0"/>
+              <a:buChar char="•"/>
+            </a:pPr>
+            <a:r>
+              <a:rPr lang="en-US" altLang="zh-CN" sz="2000" dirty="0">
+                <a:solidFill>
+                  <a:schemeClr val="bg1"/>
+                </a:solidFill>
+              </a:rPr>
+              <a:t>factory </a:t>
+            </a:r>
+            <a:r>
+              <a:rPr lang="zh-CN" altLang="en-US" sz="2000" dirty="0">
+                <a:solidFill>
+                  <a:schemeClr val="bg1"/>
+                </a:solidFill>
+              </a:rPr>
+              <a:t>函数执行的开销大不大</a:t>
+            </a:r>
+            <a:r>
+              <a:rPr lang="en-US" altLang="zh-CN" sz="2000" dirty="0">
+                <a:solidFill>
+                  <a:schemeClr val="bg1"/>
+                </a:solidFill>
+              </a:rPr>
+              <a:t>?</a:t>
+            </a:r>
+          </a:p>
+          <a:p>
+            <a:pPr marL="342900" indent="-342900">
+              <a:lnSpc>
+                <a:spcPct val="120000"/>
+              </a:lnSpc>
+              <a:spcAft>
+                <a:spcPts val="2000"/>
+              </a:spcAft>
+              <a:buFont typeface="Arial" panose="020B0604020202020204" pitchFamily="34" charset="0"/>
+              <a:buChar char="•"/>
+            </a:pPr>
+            <a:r>
+              <a:rPr lang="zh-CN" altLang="en-US" sz="2000" dirty="0">
+                <a:solidFill>
+                  <a:schemeClr val="bg1"/>
+                </a:solidFill>
+              </a:rPr>
+              <a:t>缓存值的引用</a:t>
+            </a:r>
+            <a:r>
+              <a:rPr lang="en-US" altLang="zh-CN" sz="2000" dirty="0">
+                <a:solidFill>
+                  <a:schemeClr val="bg1"/>
+                </a:solidFill>
+              </a:rPr>
+              <a:t>, </a:t>
+            </a:r>
+            <a:r>
+              <a:rPr lang="zh-CN" altLang="en-US" sz="2000" dirty="0">
+                <a:solidFill>
+                  <a:schemeClr val="bg1"/>
+                </a:solidFill>
+              </a:rPr>
+              <a:t>会发生变化吗</a:t>
+            </a:r>
+            <a:r>
+              <a:rPr lang="en-US" altLang="zh-CN" sz="2000" dirty="0">
+                <a:solidFill>
+                  <a:schemeClr val="bg1"/>
+                </a:solidFill>
+              </a:rPr>
+              <a:t>?</a:t>
+            </a:r>
+          </a:p>
+          <a:p>
+            <a:pPr marL="342900" indent="-342900">
+              <a:lnSpc>
+                <a:spcPct val="120000"/>
+              </a:lnSpc>
+              <a:spcAft>
+                <a:spcPts val="2000"/>
+              </a:spcAft>
+              <a:buFont typeface="Arial" panose="020B0604020202020204" pitchFamily="34" charset="0"/>
+              <a:buChar char="•"/>
+            </a:pPr>
+            <a:r>
+              <a:rPr lang="zh-CN" altLang="en-US" sz="2000" dirty="0">
+                <a:solidFill>
+                  <a:schemeClr val="bg1"/>
+                </a:solidFill>
+              </a:rPr>
+              <a:t>是否用于自定义 </a:t>
+            </a:r>
+            <a:r>
+              <a:rPr lang="en-US" altLang="zh-CN" sz="2000" dirty="0">
+                <a:solidFill>
+                  <a:schemeClr val="bg1"/>
+                </a:solidFill>
+              </a:rPr>
+              <a:t>hook </a:t>
+            </a:r>
+            <a:r>
+              <a:rPr lang="zh-CN" altLang="en-US" sz="2000" dirty="0">
+                <a:solidFill>
+                  <a:schemeClr val="bg1"/>
+                </a:solidFill>
+              </a:rPr>
+              <a:t>中</a:t>
+            </a:r>
+            <a:r>
+              <a:rPr lang="en-US" altLang="zh-CN" sz="2000" dirty="0">
+                <a:solidFill>
+                  <a:schemeClr val="bg1"/>
+                </a:solidFill>
+              </a:rPr>
+              <a:t>?</a:t>
+            </a:r>
+          </a:p>
+          <a:p>
+            <a:pPr marL="342900" indent="-342900">
+              <a:buFont typeface="Arial" panose="020B0604020202020204" pitchFamily="34" charset="0"/>
+              <a:buChar char="•"/>
+            </a:pPr>
+            <a:endParaRPr lang="zh-CN" altLang="en-US" sz="2000" dirty="0">
+              <a:solidFill>
+                <a:schemeClr val="bg1"/>
+              </a:solidFill>
+            </a:endParaRPr>
           </a:p>
         </p:txBody>
       </p:sp>
@@ -8842,7 +9494,7 @@
           <p:cNvPr id="2" name="标题 1">
             <a:extLst>
               <a:ext uri="{FF2B5EF4-FFF2-40B4-BE49-F238E27FC236}">
-                <a16:creationId xmlns:a16="http://schemas.microsoft.com/office/drawing/2014/main" id="{CF0FFBC2-3A99-4ADC-9BC8-CB6462129B85}"/>
+                <a16:creationId xmlns:a16="http://schemas.microsoft.com/office/drawing/2014/main" id="{01A05EFE-8A0C-44F1-AB47-27AE1E448F5C}"/>
               </a:ext>
             </a:extLst>
           </p:cNvPr>
@@ -8855,8 +9507,8 @@
         </p:nvSpPr>
         <p:spPr>
           <a:xfrm>
-            <a:off x="1219452" y="2898548"/>
-            <a:ext cx="9753095" cy="1060903"/>
+            <a:off x="838200" y="2766218"/>
+            <a:ext cx="10515600" cy="1325563"/>
           </a:xfrm>
         </p:spPr>
         <p:txBody>
@@ -8865,41 +9517,20 @@
           <a:p>
             <a:pPr algn="ctr"/>
             <a:r>
-              <a:rPr lang="en-US" altLang="zh-CN" dirty="0">
-                <a:solidFill>
-                  <a:schemeClr val="bg1"/>
-                </a:solidFill>
-              </a:rPr>
-              <a:t>React </a:t>
-            </a:r>
-            <a:r>
               <a:rPr lang="zh-CN" altLang="en-US" dirty="0">
                 <a:solidFill>
                   <a:schemeClr val="bg1"/>
                 </a:solidFill>
               </a:rPr>
-              <a:t>优化 </a:t>
-            </a:r>
-            <a:r>
-              <a:rPr lang="en-US" altLang="zh-CN" dirty="0">
-                <a:solidFill>
-                  <a:schemeClr val="bg1"/>
-                </a:solidFill>
-              </a:rPr>
-              <a:t>Demo</a:t>
-            </a:r>
-            <a:endParaRPr lang="zh-CN" altLang="en-US" dirty="0">
-              <a:solidFill>
-                <a:schemeClr val="bg1"/>
-              </a:solidFill>
-            </a:endParaRPr>
+              <a:t>配合使用</a:t>
+            </a:r>
           </a:p>
         </p:txBody>
       </p:sp>
     </p:spTree>
     <p:extLst>
       <p:ext uri="{BB962C8B-B14F-4D97-AF65-F5344CB8AC3E}">
-        <p14:creationId xmlns:p14="http://schemas.microsoft.com/office/powerpoint/2010/main" val="3938687942"/>
+        <p14:creationId xmlns:p14="http://schemas.microsoft.com/office/powerpoint/2010/main" val="2628874592"/>
       </p:ext>
     </p:extLst>
   </p:cSld>
@@ -8931,6 +9562,95 @@
           <p:cNvPr id="2" name="标题 1">
             <a:extLst>
               <a:ext uri="{FF2B5EF4-FFF2-40B4-BE49-F238E27FC236}">
+                <a16:creationId xmlns:a16="http://schemas.microsoft.com/office/drawing/2014/main" id="{CF0FFBC2-3A99-4ADC-9BC8-CB6462129B85}"/>
+              </a:ext>
+            </a:extLst>
+          </p:cNvPr>
+          <p:cNvSpPr>
+            <a:spLocks noGrp="1"/>
+          </p:cNvSpPr>
+          <p:nvPr>
+            <p:ph type="title"/>
+          </p:nvPr>
+        </p:nvSpPr>
+        <p:spPr>
+          <a:xfrm>
+            <a:off x="1219452" y="2898548"/>
+            <a:ext cx="9753095" cy="1060903"/>
+          </a:xfrm>
+        </p:spPr>
+        <p:txBody>
+          <a:bodyPr/>
+          <a:lstStyle/>
+          <a:p>
+            <a:pPr algn="ctr"/>
+            <a:r>
+              <a:rPr lang="en-US" altLang="zh-CN" dirty="0">
+                <a:solidFill>
+                  <a:schemeClr val="bg1"/>
+                </a:solidFill>
+              </a:rPr>
+              <a:t>React </a:t>
+            </a:r>
+            <a:r>
+              <a:rPr lang="zh-CN" altLang="en-US" dirty="0">
+                <a:solidFill>
+                  <a:schemeClr val="bg1"/>
+                </a:solidFill>
+              </a:rPr>
+              <a:t>优化 </a:t>
+            </a:r>
+            <a:r>
+              <a:rPr lang="en-US" altLang="zh-CN" dirty="0">
+                <a:solidFill>
+                  <a:schemeClr val="bg1"/>
+                </a:solidFill>
+              </a:rPr>
+              <a:t>Demo</a:t>
+            </a:r>
+            <a:endParaRPr lang="zh-CN" altLang="en-US" dirty="0">
+              <a:solidFill>
+                <a:schemeClr val="bg1"/>
+              </a:solidFill>
+            </a:endParaRPr>
+          </a:p>
+        </p:txBody>
+      </p:sp>
+    </p:spTree>
+    <p:extLst>
+      <p:ext uri="{BB962C8B-B14F-4D97-AF65-F5344CB8AC3E}">
+        <p14:creationId xmlns:p14="http://schemas.microsoft.com/office/powerpoint/2010/main" val="3938687942"/>
+      </p:ext>
+    </p:extLst>
+  </p:cSld>
+  <p:clrMapOvr>
+    <a:masterClrMapping/>
+  </p:clrMapOvr>
+</p:sld>
+</file>
+
+<file path=ppt/slides/slide36.xml><?xml version="1.0" encoding="utf-8"?>
+<p:sld xmlns:a="http://schemas.openxmlformats.org/drawingml/2006/main" xmlns:r="http://schemas.openxmlformats.org/officeDocument/2006/relationships" xmlns:p="http://schemas.openxmlformats.org/presentationml/2006/main">
+  <p:cSld>
+    <p:spTree>
+      <p:nvGrpSpPr>
+        <p:cNvPr id="1" name=""/>
+        <p:cNvGrpSpPr/>
+        <p:nvPr/>
+      </p:nvGrpSpPr>
+      <p:grpSpPr>
+        <a:xfrm>
+          <a:off x="0" y="0"/>
+          <a:ext cx="0" cy="0"/>
+          <a:chOff x="0" y="0"/>
+          <a:chExt cx="0" cy="0"/>
+        </a:xfrm>
+      </p:grpSpPr>
+      <p:sp>
+        <p:nvSpPr>
+          <p:cNvPr id="2" name="标题 1">
+            <a:extLst>
+              <a:ext uri="{FF2B5EF4-FFF2-40B4-BE49-F238E27FC236}">
                 <a16:creationId xmlns:a16="http://schemas.microsoft.com/office/drawing/2014/main" id="{01A05EFE-8A0C-44F1-AB47-27AE1E448F5C}"/>
               </a:ext>
             </a:extLst>
@@ -8982,7 +9702,7 @@
 </p:sld>
 </file>
 
-<file path=ppt/slides/slide36.xml><?xml version="1.0" encoding="utf-8"?>
+<file path=ppt/slides/slide37.xml><?xml version="1.0" encoding="utf-8"?>
 <p:sld xmlns:a="http://schemas.openxmlformats.org/drawingml/2006/main" xmlns:r="http://schemas.openxmlformats.org/officeDocument/2006/relationships" xmlns:p="http://schemas.openxmlformats.org/presentationml/2006/main">
   <p:cSld>
     <p:spTree>
@@ -9072,7 +9792,7 @@
 </p:sld>
 </file>
 
-<file path=ppt/slides/slide37.xml><?xml version="1.0" encoding="utf-8"?>
+<file path=ppt/slides/slide38.xml><?xml version="1.0" encoding="utf-8"?>
 <p:sld xmlns:a="http://schemas.openxmlformats.org/drawingml/2006/main" xmlns:r="http://schemas.openxmlformats.org/officeDocument/2006/relationships" xmlns:p="http://schemas.openxmlformats.org/presentationml/2006/main">
   <p:cSld>
     <p:spTree>
@@ -9197,280 +9917,6 @@
     <p:extLst>
       <p:ext uri="{BB962C8B-B14F-4D97-AF65-F5344CB8AC3E}">
         <p14:creationId xmlns:p14="http://schemas.microsoft.com/office/powerpoint/2010/main" val="3935085313"/>
-      </p:ext>
-    </p:extLst>
-  </p:cSld>
-  <p:clrMapOvr>
-    <a:masterClrMapping/>
-  </p:clrMapOvr>
-</p:sld>
-</file>
-
-<file path=ppt/slides/slide38.xml><?xml version="1.0" encoding="utf-8"?>
-<p:sld xmlns:a="http://schemas.openxmlformats.org/drawingml/2006/main" xmlns:r="http://schemas.openxmlformats.org/officeDocument/2006/relationships" xmlns:p="http://schemas.openxmlformats.org/presentationml/2006/main">
-  <p:cSld>
-    <p:spTree>
-      <p:nvGrpSpPr>
-        <p:cNvPr id="1" name=""/>
-        <p:cNvGrpSpPr/>
-        <p:nvPr/>
-      </p:nvGrpSpPr>
-      <p:grpSpPr>
-        <a:xfrm>
-          <a:off x="0" y="0"/>
-          <a:ext cx="0" cy="0"/>
-          <a:chOff x="0" y="0"/>
-          <a:chExt cx="0" cy="0"/>
-        </a:xfrm>
-      </p:grpSpPr>
-      <p:sp>
-        <p:nvSpPr>
-          <p:cNvPr id="2" name="标题 1">
-            <a:extLst>
-              <a:ext uri="{FF2B5EF4-FFF2-40B4-BE49-F238E27FC236}">
-                <a16:creationId xmlns:a16="http://schemas.microsoft.com/office/drawing/2014/main" id="{CA5F947D-5FAA-472F-B9FC-66D602A5ED0F}"/>
-              </a:ext>
-            </a:extLst>
-          </p:cNvPr>
-          <p:cNvSpPr>
-            <a:spLocks noGrp="1"/>
-          </p:cNvSpPr>
-          <p:nvPr>
-            <p:ph type="title"/>
-          </p:nvPr>
-        </p:nvSpPr>
-        <p:spPr/>
-        <p:txBody>
-          <a:bodyPr/>
-          <a:lstStyle/>
-          <a:p>
-            <a:pPr algn="ctr"/>
-            <a:r>
-              <a:rPr lang="zh-CN" altLang="en-US" dirty="0">
-                <a:solidFill>
-                  <a:schemeClr val="bg1"/>
-                </a:solidFill>
-                <a:hlinkClick r:id="rId2">
-                  <a:extLst>
-                    <a:ext uri="{A12FA001-AC4F-418D-AE19-62706E023703}">
-                      <ahyp:hlinkClr xmlns:ahyp="http://schemas.microsoft.com/office/drawing/2018/hyperlinkcolor" val="tx"/>
-                    </a:ext>
-                  </a:extLst>
-                </a:hlinkClick>
-              </a:rPr>
-              <a:t>权衡</a:t>
-            </a:r>
-          </a:p>
-        </p:txBody>
-      </p:sp>
-      <p:sp>
-        <p:nvSpPr>
-          <p:cNvPr id="3" name="文本框 2">
-            <a:extLst>
-              <a:ext uri="{FF2B5EF4-FFF2-40B4-BE49-F238E27FC236}">
-                <a16:creationId xmlns:a16="http://schemas.microsoft.com/office/drawing/2014/main" id="{500E5FD9-A393-4C06-8F11-EF67D52C82C6}"/>
-              </a:ext>
-            </a:extLst>
-          </p:cNvPr>
-          <p:cNvSpPr txBox="1"/>
-          <p:nvPr/>
-        </p:nvSpPr>
-        <p:spPr>
-          <a:xfrm>
-            <a:off x="849085" y="2181497"/>
-            <a:ext cx="8628289" cy="2700035"/>
-          </a:xfrm>
-          <a:prstGeom prst="rect">
-            <a:avLst/>
-          </a:prstGeom>
-          <a:noFill/>
-        </p:spPr>
-        <p:txBody>
-          <a:bodyPr wrap="square" rtlCol="0">
-            <a:spAutoFit/>
-          </a:bodyPr>
-          <a:lstStyle/>
-          <a:p>
-            <a:pPr marL="285750" indent="-285750">
-              <a:lnSpc>
-                <a:spcPct val="120000"/>
-              </a:lnSpc>
-              <a:spcAft>
-                <a:spcPts val="3000"/>
-              </a:spcAft>
-              <a:buFont typeface="Arial" panose="020B0604020202020204" pitchFamily="34" charset="0"/>
-              <a:buChar char="•"/>
-            </a:pPr>
-            <a:r>
-              <a:rPr lang="zh-TW" altLang="en-US" sz="2000" dirty="0">
-                <a:solidFill>
-                  <a:schemeClr val="bg1"/>
-                </a:solidFill>
-              </a:rPr>
-              <a:t>加速第一次</a:t>
-            </a:r>
-            <a:r>
-              <a:rPr lang="zh-CN" altLang="en-US" sz="2000" dirty="0">
-                <a:solidFill>
-                  <a:schemeClr val="bg1"/>
-                </a:solidFill>
-              </a:rPr>
-              <a:t>页面载入时间</a:t>
-            </a:r>
-            <a:endParaRPr lang="en-US" altLang="zh-CN" sz="2000" dirty="0">
-              <a:solidFill>
-                <a:schemeClr val="bg1"/>
-              </a:solidFill>
-            </a:endParaRPr>
-          </a:p>
-          <a:p>
-            <a:pPr marL="285750" indent="-285750">
-              <a:lnSpc>
-                <a:spcPct val="120000"/>
-              </a:lnSpc>
-              <a:spcAft>
-                <a:spcPts val="3000"/>
-              </a:spcAft>
-              <a:buFont typeface="Arial" panose="020B0604020202020204" pitchFamily="34" charset="0"/>
-              <a:buChar char="•"/>
-            </a:pPr>
-            <a:r>
-              <a:rPr lang="zh-CN" altLang="en-US" sz="2000" dirty="0">
-                <a:solidFill>
-                  <a:schemeClr val="bg1"/>
-                </a:solidFill>
-              </a:rPr>
-              <a:t>优化长列表滚动体验</a:t>
-            </a:r>
-            <a:endParaRPr lang="en-US" altLang="zh-CN" sz="2000" dirty="0">
-              <a:solidFill>
-                <a:schemeClr val="bg1"/>
-              </a:solidFill>
-            </a:endParaRPr>
-          </a:p>
-          <a:p>
-            <a:pPr marL="285750" indent="-285750">
-              <a:lnSpc>
-                <a:spcPct val="120000"/>
-              </a:lnSpc>
-              <a:spcAft>
-                <a:spcPts val="3000"/>
-              </a:spcAft>
-              <a:buFont typeface="Arial" panose="020B0604020202020204" pitchFamily="34" charset="0"/>
-              <a:buChar char="•"/>
-            </a:pPr>
-            <a:r>
-              <a:rPr lang="zh-CN" altLang="en-US" sz="2000" dirty="0">
-                <a:solidFill>
-                  <a:schemeClr val="bg1"/>
-                </a:solidFill>
-              </a:rPr>
-              <a:t>虚拟化的 </a:t>
-            </a:r>
-            <a:r>
-              <a:rPr lang="en-US" altLang="zh-CN" sz="2000" dirty="0">
-                <a:solidFill>
-                  <a:schemeClr val="bg1"/>
-                </a:solidFill>
-              </a:rPr>
-              <a:t>lists </a:t>
-            </a:r>
-            <a:r>
-              <a:rPr lang="zh-CN" altLang="en-US" sz="2000" dirty="0">
-                <a:solidFill>
-                  <a:schemeClr val="bg1"/>
-                </a:solidFill>
-              </a:rPr>
-              <a:t>元素基本上是不能被 </a:t>
-            </a:r>
-            <a:r>
-              <a:rPr lang="en-US" altLang="zh-CN" sz="2000" dirty="0" err="1">
-                <a:solidFill>
-                  <a:schemeClr val="bg1"/>
-                </a:solidFill>
-              </a:rPr>
-              <a:t>ctrl+F</a:t>
-            </a:r>
-            <a:r>
-              <a:rPr lang="en-US" altLang="zh-CN" sz="2000" dirty="0">
-                <a:solidFill>
-                  <a:schemeClr val="bg1"/>
-                </a:solidFill>
-              </a:rPr>
-              <a:t> </a:t>
-            </a:r>
-            <a:r>
-              <a:rPr lang="zh-CN" altLang="en-US" sz="2000" dirty="0">
-                <a:solidFill>
-                  <a:schemeClr val="bg1"/>
-                </a:solidFill>
-              </a:rPr>
-              <a:t>的查找工具搜索到文字的</a:t>
-            </a:r>
-            <a:endParaRPr lang="en-US" altLang="zh-CN" sz="2000" dirty="0">
-              <a:solidFill>
-                <a:schemeClr val="bg1"/>
-              </a:solidFill>
-            </a:endParaRPr>
-          </a:p>
-          <a:p>
-            <a:pPr marL="285750" indent="-285750">
-              <a:lnSpc>
-                <a:spcPct val="120000"/>
-              </a:lnSpc>
-              <a:spcAft>
-                <a:spcPts val="3000"/>
-              </a:spcAft>
-              <a:buFont typeface="Arial" panose="020B0604020202020204" pitchFamily="34" charset="0"/>
-              <a:buChar char="•"/>
-            </a:pPr>
-            <a:r>
-              <a:rPr lang="zh-CN" altLang="en-US" sz="2000" dirty="0">
-                <a:solidFill>
-                  <a:schemeClr val="bg1"/>
-                </a:solidFill>
-              </a:rPr>
-              <a:t>如果 </a:t>
-            </a:r>
-            <a:r>
-              <a:rPr lang="en-US" altLang="zh-CN" sz="2000" dirty="0">
-                <a:solidFill>
-                  <a:schemeClr val="bg1"/>
-                </a:solidFill>
-              </a:rPr>
-              <a:t>lists </a:t>
-            </a:r>
-            <a:r>
-              <a:rPr lang="zh-CN" altLang="en-US" sz="2000" dirty="0">
-                <a:solidFill>
-                  <a:schemeClr val="bg1"/>
-                </a:solidFill>
-              </a:rPr>
-              <a:t>中是开销昂贵且复杂的组件</a:t>
-            </a:r>
-            <a:r>
-              <a:rPr lang="en-US" altLang="zh-CN" sz="2000" dirty="0">
-                <a:solidFill>
-                  <a:schemeClr val="bg1"/>
-                </a:solidFill>
-              </a:rPr>
-              <a:t>, </a:t>
-            </a:r>
-            <a:r>
-              <a:rPr lang="zh-CN" altLang="en-US" sz="2000" dirty="0">
-                <a:solidFill>
-                  <a:schemeClr val="bg1"/>
-                </a:solidFill>
-              </a:rPr>
-              <a:t>依然可能会导致滚动时闪烁与滞后</a:t>
-            </a:r>
-          </a:p>
-        </p:txBody>
-      </p:sp>
-    </p:spTree>
-    <p:extLst>
-      <p:ext uri="{BB962C8B-B14F-4D97-AF65-F5344CB8AC3E}">
-        <p14:creationId xmlns:p14="http://schemas.microsoft.com/office/powerpoint/2010/main" val="1589080413"/>
       </p:ext>
     </p:extLst>
   </p:cSld>
@@ -9502,7 +9948,7 @@
           <p:cNvPr id="2" name="标题 1">
             <a:extLst>
               <a:ext uri="{FF2B5EF4-FFF2-40B4-BE49-F238E27FC236}">
-                <a16:creationId xmlns:a16="http://schemas.microsoft.com/office/drawing/2014/main" id="{98111AC8-F8C4-463F-94FE-98E6AA80BA5D}"/>
+                <a16:creationId xmlns:a16="http://schemas.microsoft.com/office/drawing/2014/main" id="{CA5F947D-5FAA-472F-B9FC-66D602A5ED0F}"/>
               </a:ext>
             </a:extLst>
           </p:cNvPr>
@@ -9512,38 +9958,239 @@
           <p:nvPr>
             <p:ph type="title"/>
           </p:nvPr>
+        </p:nvSpPr>
+        <p:spPr/>
+        <p:txBody>
+          <a:bodyPr/>
+          <a:lstStyle/>
+          <a:p>
+            <a:pPr algn="ctr"/>
+            <a:r>
+              <a:rPr lang="zh-CN" altLang="en-US" dirty="0">
+                <a:solidFill>
+                  <a:schemeClr val="bg1"/>
+                </a:solidFill>
+                <a:hlinkClick r:id="rId2">
+                  <a:extLst>
+                    <a:ext uri="{A12FA001-AC4F-418D-AE19-62706E023703}">
+                      <ahyp:hlinkClr xmlns:ahyp="http://schemas.microsoft.com/office/drawing/2018/hyperlinkcolor" val="tx"/>
+                    </a:ext>
+                  </a:extLst>
+                </a:hlinkClick>
+              </a:rPr>
+              <a:t>权衡</a:t>
+            </a:r>
+          </a:p>
+        </p:txBody>
+      </p:sp>
+      <p:sp>
+        <p:nvSpPr>
+          <p:cNvPr id="3" name="文本框 2">
+            <a:extLst>
+              <a:ext uri="{FF2B5EF4-FFF2-40B4-BE49-F238E27FC236}">
+                <a16:creationId xmlns:a16="http://schemas.microsoft.com/office/drawing/2014/main" id="{500E5FD9-A393-4C06-8F11-EF67D52C82C6}"/>
+              </a:ext>
+            </a:extLst>
+          </p:cNvPr>
+          <p:cNvSpPr txBox="1"/>
+          <p:nvPr/>
         </p:nvSpPr>
         <p:spPr>
           <a:xfrm>
-            <a:off x="838200" y="2766218"/>
-            <a:ext cx="10515600" cy="1325563"/>
+            <a:off x="1781855" y="2242457"/>
+            <a:ext cx="8628289" cy="2700035"/>
           </a:xfrm>
+          <a:prstGeom prst="rect">
+            <a:avLst/>
+          </a:prstGeom>
+          <a:noFill/>
         </p:spPr>
         <p:txBody>
-          <a:bodyPr/>
-          <a:lstStyle/>
-          <a:p>
-            <a:pPr algn="ctr"/>
-            <a:r>
-              <a:rPr lang="en-US" altLang="zh-CN" dirty="0">
-                <a:solidFill>
-                  <a:schemeClr val="bg1"/>
-                </a:solidFill>
-              </a:rPr>
-              <a:t>List Demo</a:t>
-            </a:r>
-            <a:endParaRPr lang="zh-CN" altLang="en-US" dirty="0">
+          <a:bodyPr wrap="square" rtlCol="0">
+            <a:spAutoFit/>
+          </a:bodyPr>
+          <a:lstStyle/>
+          <a:p>
+            <a:pPr marL="285750" indent="-285750">
+              <a:lnSpc>
+                <a:spcPct val="120000"/>
+              </a:lnSpc>
+              <a:spcAft>
+                <a:spcPts val="3000"/>
+              </a:spcAft>
+              <a:buFont typeface="Arial" panose="020B0604020202020204" pitchFamily="34" charset="0"/>
+              <a:buChar char="•"/>
+            </a:pPr>
+            <a:r>
+              <a:rPr lang="zh-TW" altLang="en-US" sz="2000" dirty="0">
+                <a:solidFill>
+                  <a:schemeClr val="bg1"/>
+                </a:solidFill>
+              </a:rPr>
+              <a:t>加速第一次</a:t>
+            </a:r>
+            <a:r>
+              <a:rPr lang="zh-CN" altLang="en-US" sz="2000" dirty="0">
+                <a:solidFill>
+                  <a:schemeClr val="bg1"/>
+                </a:solidFill>
+              </a:rPr>
+              <a:t>页面载入时间</a:t>
+            </a:r>
+            <a:endParaRPr lang="en-US" altLang="zh-CN" sz="2000" dirty="0">
               <a:solidFill>
                 <a:schemeClr val="bg1"/>
               </a:solidFill>
             </a:endParaRPr>
           </a:p>
+          <a:p>
+            <a:pPr marL="285750" indent="-285750">
+              <a:lnSpc>
+                <a:spcPct val="120000"/>
+              </a:lnSpc>
+              <a:spcAft>
+                <a:spcPts val="3000"/>
+              </a:spcAft>
+              <a:buFont typeface="Arial" panose="020B0604020202020204" pitchFamily="34" charset="0"/>
+              <a:buChar char="•"/>
+            </a:pPr>
+            <a:r>
+              <a:rPr lang="zh-CN" altLang="en-US" sz="2000" dirty="0">
+                <a:solidFill>
+                  <a:schemeClr val="bg1"/>
+                </a:solidFill>
+              </a:rPr>
+              <a:t>优化长列表滚动体验</a:t>
+            </a:r>
+            <a:endParaRPr lang="en-US" altLang="zh-CN" sz="2000" dirty="0">
+              <a:solidFill>
+                <a:schemeClr val="bg1"/>
+              </a:solidFill>
+            </a:endParaRPr>
+          </a:p>
+          <a:p>
+            <a:pPr marL="285750" indent="-285750">
+              <a:lnSpc>
+                <a:spcPct val="120000"/>
+              </a:lnSpc>
+              <a:spcAft>
+                <a:spcPts val="3000"/>
+              </a:spcAft>
+              <a:buFont typeface="Arial" panose="020B0604020202020204" pitchFamily="34" charset="0"/>
+              <a:buChar char="•"/>
+            </a:pPr>
+            <a:r>
+              <a:rPr lang="zh-CN" altLang="en-US" sz="2000" dirty="0">
+                <a:solidFill>
+                  <a:schemeClr val="bg1"/>
+                </a:solidFill>
+              </a:rPr>
+              <a:t>虚拟化的 </a:t>
+            </a:r>
+            <a:r>
+              <a:rPr lang="en-US" altLang="zh-CN" sz="2000" dirty="0">
+                <a:solidFill>
+                  <a:schemeClr val="bg1"/>
+                </a:solidFill>
+              </a:rPr>
+              <a:t>lists </a:t>
+            </a:r>
+            <a:r>
+              <a:rPr lang="zh-CN" altLang="en-US" sz="2000" dirty="0">
+                <a:solidFill>
+                  <a:schemeClr val="bg1"/>
+                </a:solidFill>
+              </a:rPr>
+              <a:t>元素基本上是不能被 </a:t>
+            </a:r>
+            <a:r>
+              <a:rPr lang="en-US" altLang="zh-CN" sz="2000" dirty="0" err="1">
+                <a:solidFill>
+                  <a:schemeClr val="bg1"/>
+                </a:solidFill>
+              </a:rPr>
+              <a:t>ctrl+F</a:t>
+            </a:r>
+            <a:r>
+              <a:rPr lang="en-US" altLang="zh-CN" sz="2000" dirty="0">
+                <a:solidFill>
+                  <a:schemeClr val="bg1"/>
+                </a:solidFill>
+              </a:rPr>
+              <a:t> </a:t>
+            </a:r>
+            <a:r>
+              <a:rPr lang="zh-CN" altLang="en-US" sz="2000" dirty="0">
+                <a:solidFill>
+                  <a:schemeClr val="bg1"/>
+                </a:solidFill>
+              </a:rPr>
+              <a:t>的查找工具搜索到文字的</a:t>
+            </a:r>
+            <a:endParaRPr lang="en-US" altLang="zh-CN" sz="2000" dirty="0">
+              <a:solidFill>
+                <a:schemeClr val="bg1"/>
+              </a:solidFill>
+            </a:endParaRPr>
+          </a:p>
+          <a:p>
+            <a:pPr marL="285750" indent="-285750">
+              <a:lnSpc>
+                <a:spcPct val="120000"/>
+              </a:lnSpc>
+              <a:spcAft>
+                <a:spcPts val="3000"/>
+              </a:spcAft>
+              <a:buFont typeface="Arial" panose="020B0604020202020204" pitchFamily="34" charset="0"/>
+              <a:buChar char="•"/>
+            </a:pPr>
+            <a:r>
+              <a:rPr lang="zh-CN" altLang="en-US" sz="2000" dirty="0">
+                <a:solidFill>
+                  <a:schemeClr val="bg1"/>
+                </a:solidFill>
+              </a:rPr>
+              <a:t>如果 </a:t>
+            </a:r>
+            <a:r>
+              <a:rPr lang="en-US" altLang="zh-CN" sz="2000" dirty="0">
+                <a:solidFill>
+                  <a:schemeClr val="bg1"/>
+                </a:solidFill>
+              </a:rPr>
+              <a:t>lists </a:t>
+            </a:r>
+            <a:r>
+              <a:rPr lang="zh-CN" altLang="en-US" sz="2000" dirty="0">
+                <a:solidFill>
+                  <a:schemeClr val="bg1"/>
+                </a:solidFill>
+              </a:rPr>
+              <a:t>中是开销昂贵且复杂的组件</a:t>
+            </a:r>
+            <a:r>
+              <a:rPr lang="en-US" altLang="zh-CN" sz="2000" dirty="0">
+                <a:solidFill>
+                  <a:schemeClr val="bg1"/>
+                </a:solidFill>
+              </a:rPr>
+              <a:t>, </a:t>
+            </a:r>
+            <a:r>
+              <a:rPr lang="zh-CN" altLang="en-US" sz="2000" dirty="0">
+                <a:solidFill>
+                  <a:schemeClr val="bg1"/>
+                </a:solidFill>
+              </a:rPr>
+              <a:t>依然可能会导致滚动时闪烁与滞后</a:t>
+            </a:r>
+          </a:p>
         </p:txBody>
       </p:sp>
     </p:spTree>
     <p:extLst>
       <p:ext uri="{BB962C8B-B14F-4D97-AF65-F5344CB8AC3E}">
-        <p14:creationId xmlns:p14="http://schemas.microsoft.com/office/powerpoint/2010/main" val="2528155786"/>
+        <p14:creationId xmlns:p14="http://schemas.microsoft.com/office/powerpoint/2010/main" val="1589080413"/>
       </p:ext>
     </p:extLst>
   </p:cSld>
@@ -9692,7 +10339,7 @@
           <p:cNvPr id="2" name="标题 1">
             <a:extLst>
               <a:ext uri="{FF2B5EF4-FFF2-40B4-BE49-F238E27FC236}">
-                <a16:creationId xmlns:a16="http://schemas.microsoft.com/office/drawing/2014/main" id="{29BCF4F4-2D0A-403B-B410-35A908151A1B}"/>
+                <a16:creationId xmlns:a16="http://schemas.microsoft.com/office/drawing/2014/main" id="{98111AC8-F8C4-463F-94FE-98E6AA80BA5D}"/>
               </a:ext>
             </a:extLst>
           </p:cNvPr>
@@ -9720,23 +10367,20 @@
                   <a:schemeClr val="bg1"/>
                 </a:solidFill>
               </a:rPr>
-              <a:t>CPU </a:t>
-            </a:r>
-            <a:r>
-              <a:rPr lang="zh-CN" altLang="en-US" dirty="0">
-                <a:solidFill>
-                  <a:schemeClr val="bg1"/>
-                </a:solidFill>
-              </a:rPr>
-              <a:t>密集任务</a:t>
-            </a:r>
+              <a:t>List Demo</a:t>
+            </a:r>
+            <a:endParaRPr lang="zh-CN" altLang="en-US" dirty="0">
+              <a:solidFill>
+                <a:schemeClr val="bg1"/>
+              </a:solidFill>
+            </a:endParaRPr>
           </a:p>
         </p:txBody>
       </p:sp>
     </p:spTree>
     <p:extLst>
       <p:ext uri="{BB962C8B-B14F-4D97-AF65-F5344CB8AC3E}">
-        <p14:creationId xmlns:p14="http://schemas.microsoft.com/office/powerpoint/2010/main" val="3524599232"/>
+        <p14:creationId xmlns:p14="http://schemas.microsoft.com/office/powerpoint/2010/main" val="2528155786"/>
       </p:ext>
     </p:extLst>
   </p:cSld>
@@ -9768,7 +10412,7 @@
           <p:cNvPr id="2" name="标题 1">
             <a:extLst>
               <a:ext uri="{FF2B5EF4-FFF2-40B4-BE49-F238E27FC236}">
-                <a16:creationId xmlns:a16="http://schemas.microsoft.com/office/drawing/2014/main" id="{E859EA65-B356-49C1-831F-1E7031A04532}"/>
+                <a16:creationId xmlns:a16="http://schemas.microsoft.com/office/drawing/2014/main" id="{29BCF4F4-2D0A-403B-B410-35A908151A1B}"/>
               </a:ext>
             </a:extLst>
           </p:cNvPr>
@@ -9778,138 +10422,20 @@
           <p:nvPr>
             <p:ph type="title"/>
           </p:nvPr>
-        </p:nvSpPr>
-        <p:spPr/>
-        <p:txBody>
-          <a:bodyPr/>
-          <a:lstStyle/>
-          <a:p>
-            <a:pPr algn="ctr"/>
-            <a:r>
-              <a:rPr lang="en-US" altLang="zh-CN" dirty="0">
-                <a:solidFill>
-                  <a:schemeClr val="bg1"/>
-                </a:solidFill>
-              </a:rPr>
-              <a:t>CPU </a:t>
-            </a:r>
-            <a:r>
-              <a:rPr lang="zh-CN" altLang="en-US" dirty="0">
-                <a:solidFill>
-                  <a:schemeClr val="bg1"/>
-                </a:solidFill>
-              </a:rPr>
-              <a:t>性能问题</a:t>
-            </a:r>
-          </a:p>
-        </p:txBody>
-      </p:sp>
-      <p:sp>
-        <p:nvSpPr>
-          <p:cNvPr id="3" name="文本框 2">
-            <a:extLst>
-              <a:ext uri="{FF2B5EF4-FFF2-40B4-BE49-F238E27FC236}">
-                <a16:creationId xmlns:a16="http://schemas.microsoft.com/office/drawing/2014/main" id="{7F591F6D-7B88-4CCE-995A-26E24DA737E1}"/>
-              </a:ext>
-            </a:extLst>
-          </p:cNvPr>
-          <p:cNvSpPr txBox="1"/>
-          <p:nvPr/>
         </p:nvSpPr>
         <p:spPr>
           <a:xfrm>
-            <a:off x="1781855" y="2079897"/>
-            <a:ext cx="8628289" cy="3454087"/>
+            <a:off x="838200" y="2766218"/>
+            <a:ext cx="10515600" cy="1325563"/>
           </a:xfrm>
-          <a:prstGeom prst="rect">
-            <a:avLst/>
-          </a:prstGeom>
-          <a:noFill/>
         </p:spPr>
         <p:txBody>
-          <a:bodyPr wrap="square" rtlCol="0">
-            <a:spAutoFit/>
-          </a:bodyPr>
-          <a:lstStyle/>
-          <a:p>
-            <a:pPr marL="285750" indent="-285750">
-              <a:lnSpc>
-                <a:spcPct val="120000"/>
-              </a:lnSpc>
-              <a:spcAft>
-                <a:spcPts val="3000"/>
-              </a:spcAft>
-              <a:buFont typeface="Arial" panose="020B0604020202020204" pitchFamily="34" charset="0"/>
-              <a:buChar char="•"/>
-            </a:pPr>
-            <a:r>
-              <a:rPr lang="en-US" altLang="zh-CN" sz="2000" dirty="0">
-                <a:solidFill>
-                  <a:schemeClr val="bg1"/>
-                </a:solidFill>
-              </a:rPr>
-              <a:t>web </a:t>
-            </a:r>
-            <a:r>
-              <a:rPr lang="zh-CN" altLang="en-US" sz="2000" dirty="0">
-                <a:solidFill>
-                  <a:schemeClr val="bg1"/>
-                </a:solidFill>
-              </a:rPr>
-              <a:t>应用运行在主线程</a:t>
-            </a:r>
-            <a:endParaRPr lang="en-US" altLang="zh-CN" sz="2000" dirty="0">
-              <a:solidFill>
-                <a:schemeClr val="bg1"/>
-              </a:solidFill>
-            </a:endParaRPr>
-          </a:p>
-          <a:p>
-            <a:pPr marL="285750" indent="-285750">
-              <a:lnSpc>
-                <a:spcPct val="120000"/>
-              </a:lnSpc>
-              <a:spcAft>
-                <a:spcPts val="3000"/>
-              </a:spcAft>
-              <a:buFont typeface="Arial" panose="020B0604020202020204" pitchFamily="34" charset="0"/>
-              <a:buChar char="•"/>
-            </a:pPr>
-            <a:r>
-              <a:rPr lang="en-US" altLang="zh-CN" sz="2000" dirty="0">
-                <a:solidFill>
-                  <a:schemeClr val="bg1"/>
-                </a:solidFill>
-              </a:rPr>
-              <a:t>UI </a:t>
-            </a:r>
-            <a:r>
-              <a:rPr lang="zh-CN" altLang="en-US" sz="2000" dirty="0">
-                <a:solidFill>
-                  <a:schemeClr val="bg1"/>
-                </a:solidFill>
-              </a:rPr>
-              <a:t>部分也运行在主线程</a:t>
-            </a:r>
-            <a:endParaRPr lang="en-US" altLang="zh-CN" sz="2000" dirty="0">
-              <a:solidFill>
-                <a:schemeClr val="bg1"/>
-              </a:solidFill>
-            </a:endParaRPr>
-          </a:p>
-          <a:p>
-            <a:pPr marL="285750" indent="-285750">
-              <a:lnSpc>
-                <a:spcPct val="120000"/>
-              </a:lnSpc>
-              <a:spcAft>
-                <a:spcPts val="3000"/>
-              </a:spcAft>
-              <a:buFont typeface="Arial" panose="020B0604020202020204" pitchFamily="34" charset="0"/>
-              <a:buChar char="•"/>
-            </a:pPr>
-            <a:r>
-              <a:rPr lang="en-US" altLang="zh-CN" sz="2000" dirty="0">
+          <a:bodyPr/>
+          <a:lstStyle/>
+          <a:p>
+            <a:pPr algn="ctr"/>
+            <a:r>
+              <a:rPr lang="en-US" altLang="zh-CN" dirty="0">
                 <a:solidFill>
                   <a:schemeClr val="bg1"/>
                 </a:solidFill>
@@ -9917,139 +10443,20 @@
               <a:t>CPU </a:t>
             </a:r>
             <a:r>
-              <a:rPr lang="zh-CN" altLang="en-US" sz="2000" dirty="0">
-                <a:solidFill>
-                  <a:schemeClr val="bg1"/>
-                </a:solidFill>
-              </a:rPr>
-              <a:t>密集的占资源任务</a:t>
-            </a:r>
-            <a:r>
-              <a:rPr lang="en-US" altLang="zh-CN" sz="2000" dirty="0">
-                <a:solidFill>
-                  <a:schemeClr val="bg1"/>
-                </a:solidFill>
-              </a:rPr>
-              <a:t>, </a:t>
-            </a:r>
-            <a:r>
-              <a:rPr lang="zh-CN" altLang="en-US" sz="2000" dirty="0">
-                <a:solidFill>
-                  <a:schemeClr val="bg1"/>
-                </a:solidFill>
-              </a:rPr>
-              <a:t>使主线程阻塞</a:t>
-            </a:r>
-            <a:r>
-              <a:rPr lang="en-US" altLang="zh-CN" sz="2000" dirty="0">
-                <a:solidFill>
-                  <a:schemeClr val="bg1"/>
-                </a:solidFill>
-              </a:rPr>
-              <a:t>, </a:t>
-            </a:r>
-            <a:r>
-              <a:rPr lang="zh-CN" altLang="en-US" sz="2000" dirty="0">
-                <a:solidFill>
-                  <a:schemeClr val="bg1"/>
-                </a:solidFill>
-              </a:rPr>
-              <a:t>有可能拖延应用的交互</a:t>
-            </a:r>
-            <a:endParaRPr lang="en-US" altLang="zh-CN" sz="2000" dirty="0">
-              <a:solidFill>
-                <a:schemeClr val="bg1"/>
-              </a:solidFill>
-            </a:endParaRPr>
-          </a:p>
-          <a:p>
-            <a:pPr marL="285750" indent="-285750">
-              <a:lnSpc>
-                <a:spcPct val="120000"/>
-              </a:lnSpc>
-              <a:spcAft>
-                <a:spcPts val="3000"/>
-              </a:spcAft>
-              <a:buFont typeface="Arial" panose="020B0604020202020204" pitchFamily="34" charset="0"/>
-              <a:buChar char="•"/>
-            </a:pPr>
-            <a:r>
-              <a:rPr lang="zh-CN" altLang="en-US" sz="2000" dirty="0">
-                <a:solidFill>
-                  <a:schemeClr val="bg1"/>
-                </a:solidFill>
-              </a:rPr>
-              <a:t>使用 </a:t>
-            </a:r>
-            <a:r>
-              <a:rPr lang="en-US" altLang="zh-CN" sz="2000" dirty="0">
-                <a:solidFill>
-                  <a:schemeClr val="bg1"/>
-                </a:solidFill>
-              </a:rPr>
-              <a:t>react </a:t>
-            </a:r>
-            <a:r>
-              <a:rPr lang="zh-CN" altLang="en-US" sz="2000" dirty="0">
-                <a:solidFill>
-                  <a:schemeClr val="bg1"/>
-                </a:solidFill>
-              </a:rPr>
-              <a:t>进行页面元素管理比直接操纵原生 </a:t>
-            </a:r>
-            <a:r>
-              <a:rPr lang="en-US" altLang="zh-CN" sz="2000" dirty="0" err="1">
-                <a:solidFill>
-                  <a:schemeClr val="bg1"/>
-                </a:solidFill>
-              </a:rPr>
-              <a:t>dom</a:t>
-            </a:r>
-            <a:r>
-              <a:rPr lang="en-US" altLang="zh-CN" sz="2000" dirty="0">
-                <a:solidFill>
-                  <a:schemeClr val="bg1"/>
-                </a:solidFill>
-              </a:rPr>
-              <a:t> </a:t>
-            </a:r>
-            <a:r>
-              <a:rPr lang="zh-CN" altLang="en-US" sz="2000" dirty="0">
-                <a:solidFill>
-                  <a:schemeClr val="bg1"/>
-                </a:solidFill>
-              </a:rPr>
-              <a:t>要更占资源</a:t>
-            </a:r>
-            <a:endParaRPr lang="en-US" altLang="zh-CN" sz="2000" dirty="0">
-              <a:solidFill>
-                <a:schemeClr val="bg1"/>
-              </a:solidFill>
-            </a:endParaRPr>
-          </a:p>
-          <a:p>
-            <a:pPr marL="285750" indent="-285750">
-              <a:lnSpc>
-                <a:spcPct val="120000"/>
-              </a:lnSpc>
-              <a:spcAft>
-                <a:spcPts val="3000"/>
-              </a:spcAft>
-              <a:buFont typeface="Arial" panose="020B0604020202020204" pitchFamily="34" charset="0"/>
-              <a:buChar char="•"/>
-            </a:pPr>
-            <a:endParaRPr lang="zh-CN" altLang="en-US" sz="2000" dirty="0">
-              <a:solidFill>
-                <a:schemeClr val="bg1"/>
-              </a:solidFill>
-            </a:endParaRPr>
+              <a:rPr lang="zh-CN" altLang="en-US" dirty="0">
+                <a:solidFill>
+                  <a:schemeClr val="bg1"/>
+                </a:solidFill>
+              </a:rPr>
+              <a:t>密集任务</a:t>
+            </a:r>
           </a:p>
         </p:txBody>
       </p:sp>
     </p:spTree>
     <p:extLst>
       <p:ext uri="{BB962C8B-B14F-4D97-AF65-F5344CB8AC3E}">
-        <p14:creationId xmlns:p14="http://schemas.microsoft.com/office/powerpoint/2010/main" val="3582110284"/>
+        <p14:creationId xmlns:p14="http://schemas.microsoft.com/office/powerpoint/2010/main" val="3524599232"/>
       </p:ext>
     </p:extLst>
   </p:cSld>
@@ -10081,7 +10488,7 @@
           <p:cNvPr id="2" name="标题 1">
             <a:extLst>
               <a:ext uri="{FF2B5EF4-FFF2-40B4-BE49-F238E27FC236}">
-                <a16:creationId xmlns:a16="http://schemas.microsoft.com/office/drawing/2014/main" id="{03269312-8C69-4C62-AE5A-AAD40E7168E1}"/>
+                <a16:creationId xmlns:a16="http://schemas.microsoft.com/office/drawing/2014/main" id="{E859EA65-B356-49C1-831F-1E7031A04532}"/>
               </a:ext>
             </a:extLst>
           </p:cNvPr>
@@ -10091,38 +10498,278 @@
           <p:nvPr>
             <p:ph type="title"/>
           </p:nvPr>
+        </p:nvSpPr>
+        <p:spPr/>
+        <p:txBody>
+          <a:bodyPr/>
+          <a:lstStyle/>
+          <a:p>
+            <a:pPr algn="ctr"/>
+            <a:r>
+              <a:rPr lang="en-US" altLang="zh-CN" dirty="0">
+                <a:solidFill>
+                  <a:schemeClr val="bg1"/>
+                </a:solidFill>
+              </a:rPr>
+              <a:t>CPU </a:t>
+            </a:r>
+            <a:r>
+              <a:rPr lang="zh-CN" altLang="en-US" dirty="0">
+                <a:solidFill>
+                  <a:schemeClr val="bg1"/>
+                </a:solidFill>
+              </a:rPr>
+              <a:t>性能问题</a:t>
+            </a:r>
+          </a:p>
+        </p:txBody>
+      </p:sp>
+      <p:sp>
+        <p:nvSpPr>
+          <p:cNvPr id="3" name="文本框 2">
+            <a:extLst>
+              <a:ext uri="{FF2B5EF4-FFF2-40B4-BE49-F238E27FC236}">
+                <a16:creationId xmlns:a16="http://schemas.microsoft.com/office/drawing/2014/main" id="{7F591F6D-7B88-4CCE-995A-26E24DA737E1}"/>
+              </a:ext>
+            </a:extLst>
+          </p:cNvPr>
+          <p:cNvSpPr txBox="1"/>
+          <p:nvPr/>
         </p:nvSpPr>
         <p:spPr>
           <a:xfrm>
-            <a:off x="838200" y="2766218"/>
-            <a:ext cx="10515600" cy="1325563"/>
+            <a:off x="2117135" y="2354217"/>
+            <a:ext cx="8628289" cy="3454087"/>
           </a:xfrm>
+          <a:prstGeom prst="rect">
+            <a:avLst/>
+          </a:prstGeom>
+          <a:noFill/>
         </p:spPr>
         <p:txBody>
-          <a:bodyPr/>
-          <a:lstStyle/>
-          <a:p>
-            <a:pPr algn="ctr"/>
-            <a:r>
-              <a:rPr lang="en-US" altLang="zh-CN" dirty="0">
-                <a:solidFill>
-                  <a:schemeClr val="bg1"/>
-                </a:solidFill>
-              </a:rPr>
-              <a:t>Web Workers</a:t>
-            </a:r>
-            <a:endParaRPr lang="zh-CN" altLang="en-US" dirty="0">
+          <a:bodyPr wrap="square" rtlCol="0">
+            <a:spAutoFit/>
+          </a:bodyPr>
+          <a:lstStyle/>
+          <a:p>
+            <a:pPr marL="285750" indent="-285750">
+              <a:lnSpc>
+                <a:spcPct val="120000"/>
+              </a:lnSpc>
+              <a:spcAft>
+                <a:spcPts val="3000"/>
+              </a:spcAft>
+              <a:buFont typeface="Arial" panose="020B0604020202020204" pitchFamily="34" charset="0"/>
+              <a:buChar char="•"/>
+            </a:pPr>
+            <a:r>
+              <a:rPr lang="en-US" altLang="zh-CN" sz="2000" dirty="0">
+                <a:solidFill>
+                  <a:schemeClr val="bg1"/>
+                </a:solidFill>
+              </a:rPr>
+              <a:t>web </a:t>
+            </a:r>
+            <a:r>
+              <a:rPr lang="zh-CN" altLang="en-US" sz="2000" dirty="0">
+                <a:solidFill>
+                  <a:schemeClr val="bg1"/>
+                </a:solidFill>
+              </a:rPr>
+              <a:t>应用运行在主线程</a:t>
+            </a:r>
+            <a:endParaRPr lang="en-US" altLang="zh-CN" sz="2000" dirty="0">
               <a:solidFill>
                 <a:schemeClr val="bg1"/>
               </a:solidFill>
             </a:endParaRPr>
           </a:p>
+          <a:p>
+            <a:pPr marL="285750" indent="-285750">
+              <a:lnSpc>
+                <a:spcPct val="120000"/>
+              </a:lnSpc>
+              <a:spcAft>
+                <a:spcPts val="3000"/>
+              </a:spcAft>
+              <a:buFont typeface="Arial" panose="020B0604020202020204" pitchFamily="34" charset="0"/>
+              <a:buChar char="•"/>
+            </a:pPr>
+            <a:r>
+              <a:rPr lang="en-US" altLang="zh-CN" sz="2000" dirty="0">
+                <a:solidFill>
+                  <a:schemeClr val="bg1"/>
+                </a:solidFill>
+              </a:rPr>
+              <a:t>UI </a:t>
+            </a:r>
+            <a:r>
+              <a:rPr lang="zh-CN" altLang="en-US" sz="2000" dirty="0">
+                <a:solidFill>
+                  <a:schemeClr val="bg1"/>
+                </a:solidFill>
+              </a:rPr>
+              <a:t>部分也运行在主线程</a:t>
+            </a:r>
+            <a:endParaRPr lang="en-US" altLang="zh-CN" sz="2000" dirty="0">
+              <a:solidFill>
+                <a:schemeClr val="bg1"/>
+              </a:solidFill>
+            </a:endParaRPr>
+          </a:p>
+          <a:p>
+            <a:pPr marL="285750" indent="-285750">
+              <a:lnSpc>
+                <a:spcPct val="120000"/>
+              </a:lnSpc>
+              <a:spcAft>
+                <a:spcPts val="3000"/>
+              </a:spcAft>
+              <a:buFont typeface="Arial" panose="020B0604020202020204" pitchFamily="34" charset="0"/>
+              <a:buChar char="•"/>
+            </a:pPr>
+            <a:r>
+              <a:rPr lang="en-US" altLang="zh-CN" sz="2000" dirty="0">
+                <a:solidFill>
+                  <a:schemeClr val="bg1"/>
+                </a:solidFill>
+              </a:rPr>
+              <a:t>CPU </a:t>
+            </a:r>
+            <a:r>
+              <a:rPr lang="zh-CN" altLang="en-US" sz="2000" dirty="0">
+                <a:solidFill>
+                  <a:schemeClr val="bg1"/>
+                </a:solidFill>
+              </a:rPr>
+              <a:t>密集的占资源任务</a:t>
+            </a:r>
+            <a:r>
+              <a:rPr lang="en-US" altLang="zh-CN" sz="2000" dirty="0">
+                <a:solidFill>
+                  <a:schemeClr val="bg1"/>
+                </a:solidFill>
+              </a:rPr>
+              <a:t>, </a:t>
+            </a:r>
+            <a:r>
+              <a:rPr lang="zh-CN" altLang="en-US" sz="2000" dirty="0">
+                <a:solidFill>
+                  <a:schemeClr val="bg1"/>
+                </a:solidFill>
+              </a:rPr>
+              <a:t>使主线程阻塞</a:t>
+            </a:r>
+            <a:r>
+              <a:rPr lang="en-US" altLang="zh-CN" sz="2000" dirty="0">
+                <a:solidFill>
+                  <a:schemeClr val="bg1"/>
+                </a:solidFill>
+              </a:rPr>
+              <a:t>, </a:t>
+            </a:r>
+            <a:r>
+              <a:rPr lang="zh-CN" altLang="en-US" sz="2000" dirty="0">
+                <a:solidFill>
+                  <a:schemeClr val="bg1"/>
+                </a:solidFill>
+              </a:rPr>
+              <a:t>有可能拖延应用的交互</a:t>
+            </a:r>
+            <a:endParaRPr lang="en-US" altLang="zh-CN" sz="2000" dirty="0">
+              <a:solidFill>
+                <a:schemeClr val="bg1"/>
+              </a:solidFill>
+            </a:endParaRPr>
+          </a:p>
+          <a:p>
+            <a:pPr marL="285750" indent="-285750">
+              <a:lnSpc>
+                <a:spcPct val="120000"/>
+              </a:lnSpc>
+              <a:spcAft>
+                <a:spcPts val="3000"/>
+              </a:spcAft>
+              <a:buFont typeface="Arial" panose="020B0604020202020204" pitchFamily="34" charset="0"/>
+              <a:buChar char="•"/>
+            </a:pPr>
+            <a:r>
+              <a:rPr lang="zh-CN" altLang="en-US" sz="2000" dirty="0">
+                <a:solidFill>
+                  <a:schemeClr val="bg1"/>
+                </a:solidFill>
+              </a:rPr>
+              <a:t>使用 </a:t>
+            </a:r>
+            <a:r>
+              <a:rPr lang="en-US" altLang="zh-CN" sz="2000" dirty="0">
+                <a:solidFill>
+                  <a:schemeClr val="bg1"/>
+                </a:solidFill>
+              </a:rPr>
+              <a:t>react </a:t>
+            </a:r>
+            <a:r>
+              <a:rPr lang="zh-CN" altLang="en-US" sz="2000" dirty="0">
+                <a:solidFill>
+                  <a:schemeClr val="bg1"/>
+                </a:solidFill>
+              </a:rPr>
+              <a:t>进行页面元素管理比直接操纵原生 </a:t>
+            </a:r>
+            <a:r>
+              <a:rPr lang="en-US" altLang="zh-CN" sz="2000" dirty="0" err="1">
+                <a:solidFill>
+                  <a:schemeClr val="bg1"/>
+                </a:solidFill>
+              </a:rPr>
+              <a:t>dom</a:t>
+            </a:r>
+            <a:r>
+              <a:rPr lang="en-US" altLang="zh-CN" sz="2000" dirty="0">
+                <a:solidFill>
+                  <a:schemeClr val="bg1"/>
+                </a:solidFill>
+              </a:rPr>
+              <a:t> </a:t>
+            </a:r>
+            <a:r>
+              <a:rPr lang="zh-CN" altLang="en-US" sz="2000" dirty="0">
+                <a:solidFill>
+                  <a:schemeClr val="bg1"/>
+                </a:solidFill>
+              </a:rPr>
+              <a:t>要更占资源</a:t>
+            </a:r>
+            <a:endParaRPr lang="en-US" altLang="zh-CN" sz="2000" dirty="0">
+              <a:solidFill>
+                <a:schemeClr val="bg1"/>
+              </a:solidFill>
+            </a:endParaRPr>
+          </a:p>
+          <a:p>
+            <a:pPr marL="285750" indent="-285750">
+              <a:lnSpc>
+                <a:spcPct val="120000"/>
+              </a:lnSpc>
+              <a:spcAft>
+                <a:spcPts val="3000"/>
+              </a:spcAft>
+              <a:buFont typeface="Arial" panose="020B0604020202020204" pitchFamily="34" charset="0"/>
+              <a:buChar char="•"/>
+            </a:pPr>
+            <a:endParaRPr lang="zh-CN" altLang="en-US" sz="2000" dirty="0">
+              <a:solidFill>
+                <a:schemeClr val="bg1"/>
+              </a:solidFill>
+            </a:endParaRPr>
+          </a:p>
         </p:txBody>
       </p:sp>
     </p:spTree>
     <p:extLst>
       <p:ext uri="{BB962C8B-B14F-4D97-AF65-F5344CB8AC3E}">
-        <p14:creationId xmlns:p14="http://schemas.microsoft.com/office/powerpoint/2010/main" val="2188630629"/>
+        <p14:creationId xmlns:p14="http://schemas.microsoft.com/office/powerpoint/2010/main" val="3582110284"/>
       </p:ext>
     </p:extLst>
   </p:cSld>
@@ -10154,7 +10801,7 @@
           <p:cNvPr id="2" name="标题 1">
             <a:extLst>
               <a:ext uri="{FF2B5EF4-FFF2-40B4-BE49-F238E27FC236}">
-                <a16:creationId xmlns:a16="http://schemas.microsoft.com/office/drawing/2014/main" id="{E859EA65-B356-49C1-831F-1E7031A04532}"/>
+                <a16:creationId xmlns:a16="http://schemas.microsoft.com/office/drawing/2014/main" id="{03269312-8C69-4C62-AE5A-AAD40E7168E1}"/>
               </a:ext>
             </a:extLst>
           </p:cNvPr>
@@ -10165,7 +10812,12 @@
             <p:ph type="title"/>
           </p:nvPr>
         </p:nvSpPr>
-        <p:spPr/>
+        <p:spPr>
+          <a:xfrm>
+            <a:off x="838200" y="2766218"/>
+            <a:ext cx="10515600" cy="1325563"/>
+          </a:xfrm>
+        </p:spPr>
         <p:txBody>
           <a:bodyPr/>
           <a:lstStyle/>
@@ -10187,6 +10839,74 @@
           </a:p>
         </p:txBody>
       </p:sp>
+    </p:spTree>
+    <p:extLst>
+      <p:ext uri="{BB962C8B-B14F-4D97-AF65-F5344CB8AC3E}">
+        <p14:creationId xmlns:p14="http://schemas.microsoft.com/office/powerpoint/2010/main" val="2188630629"/>
+      </p:ext>
+    </p:extLst>
+  </p:cSld>
+  <p:clrMapOvr>
+    <a:masterClrMapping/>
+  </p:clrMapOvr>
+</p:sld>
+</file>
+
+<file path=ppt/slides/slide44.xml><?xml version="1.0" encoding="utf-8"?>
+<p:sld xmlns:a="http://schemas.openxmlformats.org/drawingml/2006/main" xmlns:r="http://schemas.openxmlformats.org/officeDocument/2006/relationships" xmlns:p="http://schemas.openxmlformats.org/presentationml/2006/main">
+  <p:cSld>
+    <p:spTree>
+      <p:nvGrpSpPr>
+        <p:cNvPr id="1" name=""/>
+        <p:cNvGrpSpPr/>
+        <p:nvPr/>
+      </p:nvGrpSpPr>
+      <p:grpSpPr>
+        <a:xfrm>
+          <a:off x="0" y="0"/>
+          <a:ext cx="0" cy="0"/>
+          <a:chOff x="0" y="0"/>
+          <a:chExt cx="0" cy="0"/>
+        </a:xfrm>
+      </p:grpSpPr>
+      <p:sp>
+        <p:nvSpPr>
+          <p:cNvPr id="2" name="标题 1">
+            <a:extLst>
+              <a:ext uri="{FF2B5EF4-FFF2-40B4-BE49-F238E27FC236}">
+                <a16:creationId xmlns:a16="http://schemas.microsoft.com/office/drawing/2014/main" id="{E859EA65-B356-49C1-831F-1E7031A04532}"/>
+              </a:ext>
+            </a:extLst>
+          </p:cNvPr>
+          <p:cNvSpPr>
+            <a:spLocks noGrp="1"/>
+          </p:cNvSpPr>
+          <p:nvPr>
+            <p:ph type="title"/>
+          </p:nvPr>
+        </p:nvSpPr>
+        <p:spPr/>
+        <p:txBody>
+          <a:bodyPr/>
+          <a:lstStyle/>
+          <a:p>
+            <a:pPr algn="ctr"/>
+            <a:r>
+              <a:rPr lang="en-US" altLang="zh-CN" dirty="0">
+                <a:solidFill>
+                  <a:schemeClr val="bg1"/>
+                </a:solidFill>
+              </a:rPr>
+              <a:t>Web Workers</a:t>
+            </a:r>
+            <a:endParaRPr lang="zh-CN" altLang="en-US" dirty="0">
+              <a:solidFill>
+                <a:schemeClr val="bg1"/>
+              </a:solidFill>
+            </a:endParaRPr>
+          </a:p>
+        </p:txBody>
+      </p:sp>
       <p:sp>
         <p:nvSpPr>
           <p:cNvPr id="3" name="文本框 2">
@@ -10201,7 +10921,7 @@
         </p:nvSpPr>
         <p:spPr>
           <a:xfrm>
-            <a:off x="1781855" y="2271343"/>
+            <a:off x="1781855" y="2352623"/>
             <a:ext cx="8628289" cy="2315314"/>
           </a:xfrm>
           <a:prstGeom prst="rect">
@@ -10371,7 +11091,7 @@
 </p:sld>
 </file>
 
-<file path=ppt/slides/slide44.xml><?xml version="1.0" encoding="utf-8"?>
+<file path=ppt/slides/slide45.xml><?xml version="1.0" encoding="utf-8"?>
 <p:sld xmlns:a="http://schemas.openxmlformats.org/drawingml/2006/main" xmlns:r="http://schemas.openxmlformats.org/officeDocument/2006/relationships" xmlns:p="http://schemas.openxmlformats.org/presentationml/2006/main">
   <p:cSld>
     <p:spTree>
@@ -10456,7 +11176,7 @@
 </p:sld>
 </file>
 
-<file path=ppt/slides/slide45.xml><?xml version="1.0" encoding="utf-8"?>
+<file path=ppt/slides/slide46.xml><?xml version="1.0" encoding="utf-8"?>
 <p:sld xmlns:a="http://schemas.openxmlformats.org/drawingml/2006/main" xmlns:r="http://schemas.openxmlformats.org/officeDocument/2006/relationships" xmlns:p="http://schemas.openxmlformats.org/presentationml/2006/main">
   <p:cSld>
     <p:spTree>
